--- a/vip2/序列化/序列化.pptx
+++ b/vip2/序列化/序列化.pptx
@@ -21,20 +21,21 @@
     <p:sldId id="1047" r:id="rId14"/>
     <p:sldId id="1048" r:id="rId15"/>
     <p:sldId id="1049" r:id="rId16"/>
-    <p:sldId id="1050" r:id="rId17"/>
-    <p:sldId id="1064" r:id="rId18"/>
-    <p:sldId id="1051" r:id="rId19"/>
-    <p:sldId id="1052" r:id="rId20"/>
-    <p:sldId id="1053" r:id="rId21"/>
-    <p:sldId id="1054" r:id="rId22"/>
-    <p:sldId id="1055" r:id="rId23"/>
-    <p:sldId id="1056" r:id="rId24"/>
-    <p:sldId id="1057" r:id="rId25"/>
-    <p:sldId id="1078" r:id="rId26"/>
-    <p:sldId id="1058" r:id="rId27"/>
-    <p:sldId id="1059" r:id="rId28"/>
-    <p:sldId id="1060" r:id="rId29"/>
-    <p:sldId id="1061" r:id="rId30"/>
+    <p:sldId id="1064" r:id="rId17"/>
+    <p:sldId id="1050" r:id="rId18"/>
+    <p:sldId id="1083" r:id="rId19"/>
+    <p:sldId id="1051" r:id="rId20"/>
+    <p:sldId id="1052" r:id="rId21"/>
+    <p:sldId id="1053" r:id="rId22"/>
+    <p:sldId id="1054" r:id="rId23"/>
+    <p:sldId id="1055" r:id="rId24"/>
+    <p:sldId id="1056" r:id="rId25"/>
+    <p:sldId id="1057" r:id="rId26"/>
+    <p:sldId id="1078" r:id="rId27"/>
+    <p:sldId id="1058" r:id="rId28"/>
+    <p:sldId id="1059" r:id="rId29"/>
+    <p:sldId id="1060" r:id="rId30"/>
+    <p:sldId id="1061" r:id="rId31"/>
   </p:sldIdLst>
   <p:sldSz cx="12192000" cy="6858000"/>
   <p:notesSz cx="6858000" cy="9144000"/>
@@ -4212,7 +4213,7 @@
           <a:p>
             <a:r>
               <a:rPr lang="zh-CN" altLang="en-US"/>
-              <a:t>序列化原理</a:t>
+              <a:t>序列化流程</a:t>
             </a:r>
             <a:endParaRPr lang="zh-CN" altLang="en-US"/>
           </a:p>
@@ -4220,7 +4221,7 @@
       </p:sp>
       <p:pic>
         <p:nvPicPr>
-          <p:cNvPr id="3" name="图片 2" descr="@F`HM{~EU[71O~{8W)NV_IM"/>
+          <p:cNvPr id="3" name="图片 2" descr="M[1$$~9$KLTJ%O1IPZH[GVW"/>
           <p:cNvPicPr>
             <a:picLocks noChangeAspect="1"/>
           </p:cNvPicPr>
@@ -4234,8 +4235,32 @@
         </p:blipFill>
         <p:spPr>
           <a:xfrm>
-            <a:off x="531495" y="1064895"/>
-            <a:ext cx="9763125" cy="3086100"/>
+            <a:off x="455295" y="894715"/>
+            <a:ext cx="3476625" cy="5686425"/>
+          </a:xfrm>
+          <a:prstGeom prst="rect">
+            <a:avLst/>
+          </a:prstGeom>
+        </p:spPr>
+      </p:pic>
+      <p:pic>
+        <p:nvPicPr>
+          <p:cNvPr id="4" name="图片 3" descr="2U@IMPXS_4W[(8`DCB1DQ52"/>
+          <p:cNvPicPr>
+            <a:picLocks noChangeAspect="1"/>
+          </p:cNvPicPr>
+          <p:nvPr/>
+        </p:nvPicPr>
+        <p:blipFill>
+          <a:blip r:embed="rId2"/>
+          <a:stretch>
+            <a:fillRect/>
+          </a:stretch>
+        </p:blipFill>
+        <p:spPr>
+          <a:xfrm>
+            <a:off x="4990465" y="666750"/>
+            <a:ext cx="6162675" cy="5524500"/>
           </a:xfrm>
           <a:prstGeom prst="rect">
             <a:avLst/>
@@ -4278,7 +4303,7 @@
           <a:p>
             <a:r>
               <a:rPr lang="zh-CN" altLang="en-US"/>
-              <a:t>序列化流程</a:t>
+              <a:t>序列化原理</a:t>
             </a:r>
             <a:endParaRPr lang="zh-CN" altLang="en-US"/>
           </a:p>
@@ -4286,7 +4311,7 @@
       </p:sp>
       <p:pic>
         <p:nvPicPr>
-          <p:cNvPr id="3" name="图片 2" descr="M[1$$~9$KLTJ%O1IPZH[GVW"/>
+          <p:cNvPr id="3" name="图片 2" descr="@F`HM{~EU[71O~{8W)NV_IM"/>
           <p:cNvPicPr>
             <a:picLocks noChangeAspect="1"/>
           </p:cNvPicPr>
@@ -4300,8 +4325,8 @@
         </p:blipFill>
         <p:spPr>
           <a:xfrm>
-            <a:off x="3119755" y="955040"/>
-            <a:ext cx="3476625" cy="5686425"/>
+            <a:off x="531495" y="1064895"/>
+            <a:ext cx="9763125" cy="3086100"/>
           </a:xfrm>
           <a:prstGeom prst="rect">
             <a:avLst/>
@@ -4422,6 +4447,78 @@
       </p:sp>
       <p:pic>
         <p:nvPicPr>
+          <p:cNvPr id="4" name="图片 3" descr="_Q]]W7NPCDKCFJY07$`_JY4"/>
+          <p:cNvPicPr>
+            <a:picLocks noChangeAspect="1"/>
+          </p:cNvPicPr>
+          <p:nvPr>
+            <p:custDataLst>
+              <p:tags r:id="rId1"/>
+            </p:custDataLst>
+          </p:nvPr>
+        </p:nvPicPr>
+        <p:blipFill>
+          <a:blip r:embed="rId2"/>
+          <a:stretch>
+            <a:fillRect/>
+          </a:stretch>
+        </p:blipFill>
+        <p:spPr>
+          <a:xfrm>
+            <a:off x="476885" y="981710"/>
+            <a:ext cx="8143875" cy="5410200"/>
+          </a:xfrm>
+          <a:prstGeom prst="rect">
+            <a:avLst/>
+          </a:prstGeom>
+        </p:spPr>
+      </p:pic>
+    </p:spTree>
+  </p:cSld>
+  <p:clrMapOvr>
+    <a:masterClrMapping/>
+  </p:clrMapOvr>
+</p:sld>
+</file>
+
+<file path=ppt/slides/slide18.xml><?xml version="1.0" encoding="utf-8"?>
+<p:sld xmlns:a="http://schemas.openxmlformats.org/drawingml/2006/main" xmlns:r="http://schemas.openxmlformats.org/officeDocument/2006/relationships" xmlns:p="http://schemas.openxmlformats.org/presentationml/2006/main">
+  <p:cSld>
+    <p:spTree>
+      <p:nvGrpSpPr>
+        <p:cNvPr id="1" name=""/>
+        <p:cNvGrpSpPr/>
+        <p:nvPr/>
+      </p:nvGrpSpPr>
+      <p:grpSpPr/>
+      <p:sp>
+        <p:nvSpPr>
+          <p:cNvPr id="2" name="标题 1"/>
+          <p:cNvSpPr>
+            <a:spLocks noGrp="1"/>
+          </p:cNvSpPr>
+          <p:nvPr>
+            <p:ph type="title"/>
+          </p:nvPr>
+        </p:nvSpPr>
+        <p:spPr/>
+        <p:txBody>
+          <a:bodyPr>
+            <a:normAutofit fontScale="90000"/>
+          </a:bodyPr>
+          <a:p>
+            <a:r>
+              <a:rPr lang="zh-CN" altLang="en-US">
+                <a:sym typeface="+mn-ea"/>
+              </a:rPr>
+              <a:t>序列化原理</a:t>
+            </a:r>
+            <a:endParaRPr lang="zh-CN" altLang="en-US"/>
+          </a:p>
+        </p:txBody>
+      </p:sp>
+      <p:pic>
+        <p:nvPicPr>
           <p:cNvPr id="3" name="图片 2" descr="))NWX%ROY265CNQU%~O`RRI"/>
           <p:cNvPicPr>
             <a:picLocks noChangeAspect="1"/>
@@ -4452,7 +4549,7 @@
 </p:sld>
 </file>
 
-<file path=ppt/slides/slide18.xml><?xml version="1.0" encoding="utf-8"?>
+<file path=ppt/slides/slide19.xml><?xml version="1.0" encoding="utf-8"?>
 <p:sld xmlns:a="http://schemas.openxmlformats.org/drawingml/2006/main" xmlns:r="http://schemas.openxmlformats.org/officeDocument/2006/relationships" xmlns:p="http://schemas.openxmlformats.org/presentationml/2006/main">
   <p:cSld>
     <p:spTree>
@@ -4520,7 +4617,86 @@
 </p:sld>
 </file>
 
-<file path=ppt/slides/slide19.xml><?xml version="1.0" encoding="utf-8"?>
+<file path=ppt/slides/slide2.xml><?xml version="1.0" encoding="utf-8"?>
+<p:sld xmlns:a="http://schemas.openxmlformats.org/drawingml/2006/main" xmlns:r="http://schemas.openxmlformats.org/officeDocument/2006/relationships" xmlns:p="http://schemas.openxmlformats.org/presentationml/2006/main">
+  <p:cSld>
+    <p:spTree>
+      <p:nvGrpSpPr>
+        <p:cNvPr id="1" name=""/>
+        <p:cNvGrpSpPr/>
+        <p:nvPr/>
+      </p:nvGrpSpPr>
+      <p:grpSpPr/>
+      <p:sp>
+        <p:nvSpPr>
+          <p:cNvPr id="2" name="文本框 1"/>
+          <p:cNvSpPr txBox="1"/>
+          <p:nvPr/>
+        </p:nvSpPr>
+        <p:spPr>
+          <a:xfrm>
+            <a:off x="369570" y="1409700"/>
+            <a:ext cx="5919470" cy="1753235"/>
+          </a:xfrm>
+          <a:prstGeom prst="rect">
+            <a:avLst/>
+          </a:prstGeom>
+          <a:noFill/>
+        </p:spPr>
+        <p:txBody>
+          <a:bodyPr wrap="square" rtlCol="0" anchor="t">
+            <a:spAutoFit/>
+          </a:bodyPr>
+          <a:p>
+            <a:r>
+              <a:rPr lang="zh-CN" altLang="en-US"/>
+              <a:t>公园里，一位仙风鹤骨的老者在打太极，一招一式都仙气十足，一个年轻人走过去：“大爷，太极这玩意儿花拳绣腿，你练它干啥？”老者淡淡一笑：“年轻人，你还没有领悟到太极的真谛，这样，你用最大力气打我试试。”于是年轻人用力打了老头一拳，结果老者往地上一躺，不起来了，被讹了八万八</a:t>
+            </a:r>
+            <a:r>
+              <a:rPr lang="en-US" altLang="zh-CN"/>
+              <a:t>...</a:t>
+            </a:r>
+            <a:endParaRPr lang="en-US" altLang="zh-CN"/>
+          </a:p>
+        </p:txBody>
+      </p:sp>
+      <p:pic>
+        <p:nvPicPr>
+          <p:cNvPr id="3" name="图片 2"/>
+          <p:cNvPicPr>
+            <a:picLocks noChangeAspect="1"/>
+          </p:cNvPicPr>
+          <p:nvPr>
+            <p:custDataLst>
+              <p:tags r:id="rId1"/>
+            </p:custDataLst>
+          </p:nvPr>
+        </p:nvPicPr>
+        <p:blipFill>
+          <a:blip r:embed="rId2"/>
+          <a:stretch>
+            <a:fillRect/>
+          </a:stretch>
+        </p:blipFill>
+        <p:spPr>
+          <a:xfrm>
+            <a:off x="6429375" y="1409700"/>
+            <a:ext cx="5318760" cy="3006725"/>
+          </a:xfrm>
+          <a:prstGeom prst="rect">
+            <a:avLst/>
+          </a:prstGeom>
+        </p:spPr>
+      </p:pic>
+    </p:spTree>
+  </p:cSld>
+  <p:clrMapOvr>
+    <a:masterClrMapping/>
+  </p:clrMapOvr>
+</p:sld>
+</file>
+
+<file path=ppt/slides/slide20.xml><?xml version="1.0" encoding="utf-8"?>
 <p:sld xmlns:a="http://schemas.openxmlformats.org/drawingml/2006/main" xmlns:r="http://schemas.openxmlformats.org/officeDocument/2006/relationships" xmlns:p="http://schemas.openxmlformats.org/presentationml/2006/main">
   <p:cSld>
     <p:spTree>
@@ -4612,86 +4788,7 @@
 </p:sld>
 </file>
 
-<file path=ppt/slides/slide2.xml><?xml version="1.0" encoding="utf-8"?>
-<p:sld xmlns:a="http://schemas.openxmlformats.org/drawingml/2006/main" xmlns:r="http://schemas.openxmlformats.org/officeDocument/2006/relationships" xmlns:p="http://schemas.openxmlformats.org/presentationml/2006/main">
-  <p:cSld>
-    <p:spTree>
-      <p:nvGrpSpPr>
-        <p:cNvPr id="1" name=""/>
-        <p:cNvGrpSpPr/>
-        <p:nvPr/>
-      </p:nvGrpSpPr>
-      <p:grpSpPr/>
-      <p:sp>
-        <p:nvSpPr>
-          <p:cNvPr id="2" name="文本框 1"/>
-          <p:cNvSpPr txBox="1"/>
-          <p:nvPr/>
-        </p:nvSpPr>
-        <p:spPr>
-          <a:xfrm>
-            <a:off x="369570" y="1409700"/>
-            <a:ext cx="5919470" cy="1753235"/>
-          </a:xfrm>
-          <a:prstGeom prst="rect">
-            <a:avLst/>
-          </a:prstGeom>
-          <a:noFill/>
-        </p:spPr>
-        <p:txBody>
-          <a:bodyPr wrap="square" rtlCol="0" anchor="t">
-            <a:spAutoFit/>
-          </a:bodyPr>
-          <a:p>
-            <a:r>
-              <a:rPr lang="zh-CN" altLang="en-US"/>
-              <a:t>公园里，一位仙风鹤骨的老者在打太极，一招一式都仙气十足，一个年轻人走过去：“大爷，太极这玩意儿花拳绣腿，你练它干啥？”老者淡淡一笑：“年轻人，你还没有领悟到太极的真谛，这样，你用最大力气打我试试。”于是年轻人用力打了老头一拳，结果老者往地上一躺，不起来了，被讹了八万八</a:t>
-            </a:r>
-            <a:r>
-              <a:rPr lang="en-US" altLang="zh-CN"/>
-              <a:t>...</a:t>
-            </a:r>
-            <a:endParaRPr lang="en-US" altLang="zh-CN"/>
-          </a:p>
-        </p:txBody>
-      </p:sp>
-      <p:pic>
-        <p:nvPicPr>
-          <p:cNvPr id="3" name="图片 2"/>
-          <p:cNvPicPr>
-            <a:picLocks noChangeAspect="1"/>
-          </p:cNvPicPr>
-          <p:nvPr>
-            <p:custDataLst>
-              <p:tags r:id="rId1"/>
-            </p:custDataLst>
-          </p:nvPr>
-        </p:nvPicPr>
-        <p:blipFill>
-          <a:blip r:embed="rId2"/>
-          <a:stretch>
-            <a:fillRect/>
-          </a:stretch>
-        </p:blipFill>
-        <p:spPr>
-          <a:xfrm>
-            <a:off x="6429375" y="1409700"/>
-            <a:ext cx="5318760" cy="3006725"/>
-          </a:xfrm>
-          <a:prstGeom prst="rect">
-            <a:avLst/>
-          </a:prstGeom>
-        </p:spPr>
-      </p:pic>
-    </p:spTree>
-  </p:cSld>
-  <p:clrMapOvr>
-    <a:masterClrMapping/>
-  </p:clrMapOvr>
-</p:sld>
-</file>
-
-<file path=ppt/slides/slide20.xml><?xml version="1.0" encoding="utf-8"?>
+<file path=ppt/slides/slide21.xml><?xml version="1.0" encoding="utf-8"?>
 <p:sld xmlns:a="http://schemas.openxmlformats.org/drawingml/2006/main" xmlns:r="http://schemas.openxmlformats.org/officeDocument/2006/relationships" xmlns:p="http://schemas.openxmlformats.org/presentationml/2006/main">
   <p:cSld>
     <p:spTree>
@@ -4759,7 +4856,7 @@
 </p:sld>
 </file>
 
-<file path=ppt/slides/slide21.xml><?xml version="1.0" encoding="utf-8"?>
+<file path=ppt/slides/slide22.xml><?xml version="1.0" encoding="utf-8"?>
 <p:sld xmlns:a="http://schemas.openxmlformats.org/drawingml/2006/main" xmlns:r="http://schemas.openxmlformats.org/officeDocument/2006/relationships" xmlns:p="http://schemas.openxmlformats.org/presentationml/2006/main">
   <p:cSld>
     <p:spTree>
@@ -4882,7 +4979,7 @@
 </p:sld>
 </file>
 
-<file path=ppt/slides/slide22.xml><?xml version="1.0" encoding="utf-8"?>
+<file path=ppt/slides/slide23.xml><?xml version="1.0" encoding="utf-8"?>
 <p:sld xmlns:a="http://schemas.openxmlformats.org/drawingml/2006/main" xmlns:r="http://schemas.openxmlformats.org/officeDocument/2006/relationships" xmlns:p="http://schemas.openxmlformats.org/presentationml/2006/main">
   <p:cSld>
     <p:spTree>
@@ -4930,7 +5027,7 @@
 </p:sld>
 </file>
 
-<file path=ppt/slides/slide23.xml><?xml version="1.0" encoding="utf-8"?>
+<file path=ppt/slides/slide24.xml><?xml version="1.0" encoding="utf-8"?>
 <p:sld xmlns:a="http://schemas.openxmlformats.org/drawingml/2006/main" xmlns:r="http://schemas.openxmlformats.org/officeDocument/2006/relationships" xmlns:p="http://schemas.openxmlformats.org/presentationml/2006/main">
   <p:cSld>
     <p:spTree>
@@ -5000,7 +5097,7 @@
 </p:sld>
 </file>
 
-<file path=ppt/slides/slide24.xml><?xml version="1.0" encoding="utf-8"?>
+<file path=ppt/slides/slide25.xml><?xml version="1.0" encoding="utf-8"?>
 <p:sld xmlns:a="http://schemas.openxmlformats.org/drawingml/2006/main" xmlns:r="http://schemas.openxmlformats.org/officeDocument/2006/relationships" xmlns:p="http://schemas.openxmlformats.org/presentationml/2006/main">
   <p:cSld>
     <p:spTree>
@@ -5070,7 +5167,7 @@
 </p:sld>
 </file>
 
-<file path=ppt/slides/slide25.xml><?xml version="1.0" encoding="utf-8"?>
+<file path=ppt/slides/slide26.xml><?xml version="1.0" encoding="utf-8"?>
 <p:sld xmlns:a="http://schemas.openxmlformats.org/drawingml/2006/main" xmlns:r="http://schemas.openxmlformats.org/officeDocument/2006/relationships" xmlns:p="http://schemas.openxmlformats.org/presentationml/2006/main">
   <p:cSld>
     <p:spTree>
@@ -5162,46 +5259,6 @@
             <a:r>
               <a:rPr lang="zh-CN" altLang="en-US"/>
               <a:t>Parcelable不能很好的保证数据的持续性，在外界有变化的情况下，建议使用Serializable</a:t>
-            </a:r>
-            <a:endParaRPr lang="zh-CN" altLang="en-US"/>
-          </a:p>
-        </p:txBody>
-      </p:sp>
-    </p:spTree>
-  </p:cSld>
-  <p:clrMapOvr>
-    <a:masterClrMapping/>
-  </p:clrMapOvr>
-</p:sld>
-</file>
-
-<file path=ppt/slides/slide26.xml><?xml version="1.0" encoding="utf-8"?>
-<p:sld xmlns:a="http://schemas.openxmlformats.org/drawingml/2006/main" xmlns:r="http://schemas.openxmlformats.org/officeDocument/2006/relationships" xmlns:p="http://schemas.openxmlformats.org/presentationml/2006/main">
-  <p:cSld>
-    <p:spTree>
-      <p:nvGrpSpPr>
-        <p:cNvPr id="1" name=""/>
-        <p:cNvGrpSpPr/>
-        <p:nvPr/>
-      </p:nvGrpSpPr>
-      <p:grpSpPr/>
-      <p:sp>
-        <p:nvSpPr>
-          <p:cNvPr id="2" name="标题 1"/>
-          <p:cNvSpPr>
-            <a:spLocks noGrp="1"/>
-          </p:cNvSpPr>
-          <p:nvPr>
-            <p:ph type="title"/>
-          </p:nvPr>
-        </p:nvSpPr>
-        <p:spPr/>
-        <p:txBody>
-          <a:bodyPr/>
-          <a:p>
-            <a:r>
-              <a:rPr lang="zh-CN" altLang="en-US"/>
-              <a:t>面试相关</a:t>
             </a:r>
             <a:endParaRPr lang="zh-CN" altLang="en-US"/>
           </a:p>
@@ -5237,6 +5294,46 @@
         </p:nvSpPr>
         <p:spPr/>
         <p:txBody>
+          <a:bodyPr/>
+          <a:p>
+            <a:r>
+              <a:rPr lang="zh-CN" altLang="en-US"/>
+              <a:t>面试相关</a:t>
+            </a:r>
+            <a:endParaRPr lang="zh-CN" altLang="en-US"/>
+          </a:p>
+        </p:txBody>
+      </p:sp>
+    </p:spTree>
+  </p:cSld>
+  <p:clrMapOvr>
+    <a:masterClrMapping/>
+  </p:clrMapOvr>
+</p:sld>
+</file>
+
+<file path=ppt/slides/slide28.xml><?xml version="1.0" encoding="utf-8"?>
+<p:sld xmlns:a="http://schemas.openxmlformats.org/drawingml/2006/main" xmlns:r="http://schemas.openxmlformats.org/officeDocument/2006/relationships" xmlns:p="http://schemas.openxmlformats.org/presentationml/2006/main">
+  <p:cSld>
+    <p:spTree>
+      <p:nvGrpSpPr>
+        <p:cNvPr id="1" name=""/>
+        <p:cNvGrpSpPr/>
+        <p:nvPr/>
+      </p:nvGrpSpPr>
+      <p:grpSpPr/>
+      <p:sp>
+        <p:nvSpPr>
+          <p:cNvPr id="2" name="标题 1"/>
+          <p:cNvSpPr>
+            <a:spLocks noGrp="1"/>
+          </p:cNvSpPr>
+          <p:nvPr>
+            <p:ph type="title"/>
+          </p:nvPr>
+        </p:nvSpPr>
+        <p:spPr/>
+        <p:txBody>
           <a:bodyPr>
             <a:normAutofit fontScale="90000"/>
           </a:bodyPr>
@@ -5258,7 +5355,7 @@
         <p:spPr>
           <a:xfrm>
             <a:off x="617855" y="1482725"/>
-            <a:ext cx="8664575" cy="2306955"/>
+            <a:ext cx="8664575" cy="2584450"/>
           </a:xfrm>
           <a:prstGeom prst="rect">
             <a:avLst/>
@@ -5339,6 +5436,13 @@
             <a:r>
               <a:rPr lang="en-US" altLang="zh-CN"/>
               <a:t>7. 序列化与持久化的关系和区别是什么？</a:t>
+            </a:r>
+            <a:endParaRPr lang="en-US" altLang="zh-CN"/>
+          </a:p>
+          <a:p>
+            <a:r>
+              <a:rPr lang="en-US" altLang="zh-CN"/>
+              <a:t>8. ArrayList等为什么用transient还能序列化</a:t>
             </a:r>
             <a:endParaRPr lang="en-US" altLang="zh-CN"/>
           </a:p>
@@ -5971,6 +6075,12 @@
 </file>
 
 <file path=ppt/tags/tag3.xml><?xml version="1.0" encoding="utf-8"?>
+<p:tagLst xmlns:p="http://schemas.openxmlformats.org/presentationml/2006/main">
+  <p:tag name="KSO_WM_UNIT_PLACING_PICTURE_USER_VIEWPORT" val="{&quot;height&quot;:8520,&quot;width&quot;:12825}"/>
+</p:tagLst>
+</file>
+
+<file path=ppt/tags/tag4.xml><?xml version="1.0" encoding="utf-8"?>
 <p:tagLst xmlns:p="http://schemas.openxmlformats.org/presentationml/2006/main">
   <p:tag name="REFSHAPE" val="332099332"/>
   <p:tag name="KSO_WM_UNIT_PLACING_PICTURE_USER_VIEWPORT" val="{&quot;height&quot;:9765,&quot;width&quot;:14850}"/>
